--- a/Management/Presentations/FINAL GROUP PRESENTATION.pptx
+++ b/Management/Presentations/FINAL GROUP PRESENTATION.pptx
@@ -116,7 +116,7 @@
   </p:defaultTextStyle>
   <p:extLst>
     <p:ext uri="{EFAFB233-063F-42B5-8137-9DF3F51BA10A}">
-      <p15:sldGuideLst xmlns="" xmlns:p15="http://schemas.microsoft.com/office/powerpoint/2012/main">
+      <p15:sldGuideLst xmlns:p15="http://schemas.microsoft.com/office/powerpoint/2012/main">
         <p15:guide id="1" orient="horz" pos="2160">
           <p15:clr>
             <a:srgbClr val="A4A3A4"/>
@@ -216,7 +216,7 @@
             <a:fld id="{0E979622-FC95-4062-B0FB-BFF025AB3596}" type="datetimeFigureOut">
               <a:rPr lang="en-US" smtClean="0"/>
               <a:pPr/>
-              <a:t>12/13/2016</a:t>
+              <a:t>12/14/2016</a:t>
             </a:fld>
             <a:endParaRPr lang="en-US"/>
           </a:p>
@@ -384,7 +384,7 @@
     </p:spTree>
     <p:extLst>
       <p:ext uri="{BB962C8B-B14F-4D97-AF65-F5344CB8AC3E}">
-        <p14:creationId xmlns="" xmlns:p14="http://schemas.microsoft.com/office/powerpoint/2010/main" val="1094693689"/>
+        <p14:creationId xmlns:p14="http://schemas.microsoft.com/office/powerpoint/2010/main" val="1094693689"/>
       </p:ext>
     </p:extLst>
   </p:cSld>
@@ -642,7 +642,7 @@
     </p:spTree>
     <p:extLst>
       <p:ext uri="{BB962C8B-B14F-4D97-AF65-F5344CB8AC3E}">
-        <p14:creationId xmlns="" xmlns:p14="http://schemas.microsoft.com/office/powerpoint/2010/main" val="1389064531"/>
+        <p14:creationId xmlns:p14="http://schemas.microsoft.com/office/powerpoint/2010/main" val="1389064531"/>
       </p:ext>
     </p:extLst>
   </p:cSld>
@@ -1375,7 +1375,7 @@
             <a:fld id="{4CDA0734-6088-4A11-8A2B-97B609E3D287}" type="datetimeFigureOut">
               <a:rPr lang="en-GB" smtClean="0"/>
               <a:pPr/>
-              <a:t>13/12/2016</a:t>
+              <a:t>14/12/2016</a:t>
             </a:fld>
             <a:endParaRPr lang="en-GB"/>
           </a:p>
@@ -1427,7 +1427,7 @@
     </p:spTree>
     <p:extLst>
       <p:ext uri="{BB962C8B-B14F-4D97-AF65-F5344CB8AC3E}">
-        <p14:creationId xmlns="" xmlns:p14="http://schemas.microsoft.com/office/powerpoint/2010/main" val="1416213336"/>
+        <p14:creationId xmlns:p14="http://schemas.microsoft.com/office/powerpoint/2010/main" val="1416213336"/>
       </p:ext>
     </p:extLst>
   </p:cSld>
@@ -1628,7 +1628,7 @@
             <a:fld id="{4CDA0734-6088-4A11-8A2B-97B609E3D287}" type="datetimeFigureOut">
               <a:rPr lang="en-GB" smtClean="0"/>
               <a:pPr/>
-              <a:t>13/12/2016</a:t>
+              <a:t>14/12/2016</a:t>
             </a:fld>
             <a:endParaRPr lang="en-GB"/>
           </a:p>
@@ -1680,7 +1680,7 @@
     </p:spTree>
     <p:extLst>
       <p:ext uri="{BB962C8B-B14F-4D97-AF65-F5344CB8AC3E}">
-        <p14:creationId xmlns="" xmlns:p14="http://schemas.microsoft.com/office/powerpoint/2010/main" val="2996688164"/>
+        <p14:creationId xmlns:p14="http://schemas.microsoft.com/office/powerpoint/2010/main" val="2996688164"/>
       </p:ext>
     </p:extLst>
   </p:cSld>
@@ -1944,7 +1944,7 @@
             <a:fld id="{4CDA0734-6088-4A11-8A2B-97B609E3D287}" type="datetimeFigureOut">
               <a:rPr lang="en-GB" smtClean="0"/>
               <a:pPr/>
-              <a:t>13/12/2016</a:t>
+              <a:t>14/12/2016</a:t>
             </a:fld>
             <a:endParaRPr lang="en-GB"/>
           </a:p>
@@ -2086,7 +2086,7 @@
     </p:spTree>
     <p:extLst>
       <p:ext uri="{BB962C8B-B14F-4D97-AF65-F5344CB8AC3E}">
-        <p14:creationId xmlns="" xmlns:p14="http://schemas.microsoft.com/office/powerpoint/2010/main" val="628267690"/>
+        <p14:creationId xmlns:p14="http://schemas.microsoft.com/office/powerpoint/2010/main" val="628267690"/>
       </p:ext>
     </p:extLst>
   </p:cSld>
@@ -2287,7 +2287,7 @@
             <a:fld id="{4CDA0734-6088-4A11-8A2B-97B609E3D287}" type="datetimeFigureOut">
               <a:rPr lang="en-GB" smtClean="0"/>
               <a:pPr/>
-              <a:t>13/12/2016</a:t>
+              <a:t>14/12/2016</a:t>
             </a:fld>
             <a:endParaRPr lang="en-GB"/>
           </a:p>
@@ -2339,7 +2339,7 @@
     </p:spTree>
     <p:extLst>
       <p:ext uri="{BB962C8B-B14F-4D97-AF65-F5344CB8AC3E}">
-        <p14:creationId xmlns="" xmlns:p14="http://schemas.microsoft.com/office/powerpoint/2010/main" val="642880592"/>
+        <p14:creationId xmlns:p14="http://schemas.microsoft.com/office/powerpoint/2010/main" val="642880592"/>
       </p:ext>
     </p:extLst>
   </p:cSld>
@@ -2603,7 +2603,7 @@
             <a:fld id="{4CDA0734-6088-4A11-8A2B-97B609E3D287}" type="datetimeFigureOut">
               <a:rPr lang="en-GB" smtClean="0"/>
               <a:pPr/>
-              <a:t>13/12/2016</a:t>
+              <a:t>14/12/2016</a:t>
             </a:fld>
             <a:endParaRPr lang="en-GB"/>
           </a:p>
@@ -2737,7 +2737,7 @@
     </p:spTree>
     <p:extLst>
       <p:ext uri="{BB962C8B-B14F-4D97-AF65-F5344CB8AC3E}">
-        <p14:creationId xmlns="" xmlns:p14="http://schemas.microsoft.com/office/powerpoint/2010/main" val="1677234499"/>
+        <p14:creationId xmlns:p14="http://schemas.microsoft.com/office/powerpoint/2010/main" val="1677234499"/>
       </p:ext>
     </p:extLst>
   </p:cSld>
@@ -2998,7 +2998,7 @@
             <a:fld id="{4CDA0734-6088-4A11-8A2B-97B609E3D287}" type="datetimeFigureOut">
               <a:rPr lang="en-GB" smtClean="0"/>
               <a:pPr/>
-              <a:t>13/12/2016</a:t>
+              <a:t>14/12/2016</a:t>
             </a:fld>
             <a:endParaRPr lang="en-GB"/>
           </a:p>
@@ -3050,7 +3050,7 @@
     </p:spTree>
     <p:extLst>
       <p:ext uri="{BB962C8B-B14F-4D97-AF65-F5344CB8AC3E}">
-        <p14:creationId xmlns="" xmlns:p14="http://schemas.microsoft.com/office/powerpoint/2010/main" val="1214186571"/>
+        <p14:creationId xmlns:p14="http://schemas.microsoft.com/office/powerpoint/2010/main" val="1214186571"/>
       </p:ext>
     </p:extLst>
   </p:cSld>
@@ -3170,7 +3170,7 @@
             <a:fld id="{4CDA0734-6088-4A11-8A2B-97B609E3D287}" type="datetimeFigureOut">
               <a:rPr lang="en-GB" smtClean="0"/>
               <a:pPr/>
-              <a:t>13/12/2016</a:t>
+              <a:t>14/12/2016</a:t>
             </a:fld>
             <a:endParaRPr lang="en-GB"/>
           </a:p>
@@ -3222,7 +3222,7 @@
     </p:spTree>
     <p:extLst>
       <p:ext uri="{BB962C8B-B14F-4D97-AF65-F5344CB8AC3E}">
-        <p14:creationId xmlns="" xmlns:p14="http://schemas.microsoft.com/office/powerpoint/2010/main" val="333804558"/>
+        <p14:creationId xmlns:p14="http://schemas.microsoft.com/office/powerpoint/2010/main" val="333804558"/>
       </p:ext>
     </p:extLst>
   </p:cSld>
@@ -3352,7 +3352,7 @@
             <a:fld id="{4CDA0734-6088-4A11-8A2B-97B609E3D287}" type="datetimeFigureOut">
               <a:rPr lang="en-GB" smtClean="0"/>
               <a:pPr/>
-              <a:t>13/12/2016</a:t>
+              <a:t>14/12/2016</a:t>
             </a:fld>
             <a:endParaRPr lang="en-GB"/>
           </a:p>
@@ -3404,7 +3404,7 @@
     </p:spTree>
     <p:extLst>
       <p:ext uri="{BB962C8B-B14F-4D97-AF65-F5344CB8AC3E}">
-        <p14:creationId xmlns="" xmlns:p14="http://schemas.microsoft.com/office/powerpoint/2010/main" val="2904802637"/>
+        <p14:creationId xmlns:p14="http://schemas.microsoft.com/office/powerpoint/2010/main" val="2904802637"/>
       </p:ext>
     </p:extLst>
   </p:cSld>
@@ -3530,7 +3530,7 @@
             <a:fld id="{4CDA0734-6088-4A11-8A2B-97B609E3D287}" type="datetimeFigureOut">
               <a:rPr lang="en-GB" smtClean="0"/>
               <a:pPr/>
-              <a:t>13/12/2016</a:t>
+              <a:t>14/12/2016</a:t>
             </a:fld>
             <a:endParaRPr lang="en-GB"/>
           </a:p>
@@ -3582,7 +3582,7 @@
     </p:spTree>
     <p:extLst>
       <p:ext uri="{BB962C8B-B14F-4D97-AF65-F5344CB8AC3E}">
-        <p14:creationId xmlns="" xmlns:p14="http://schemas.microsoft.com/office/powerpoint/2010/main" val="1207658432"/>
+        <p14:creationId xmlns:p14="http://schemas.microsoft.com/office/powerpoint/2010/main" val="1207658432"/>
       </p:ext>
     </p:extLst>
   </p:cSld>
@@ -3779,7 +3779,7 @@
             <a:fld id="{4CDA0734-6088-4A11-8A2B-97B609E3D287}" type="datetimeFigureOut">
               <a:rPr lang="en-GB" smtClean="0"/>
               <a:pPr/>
-              <a:t>13/12/2016</a:t>
+              <a:t>14/12/2016</a:t>
             </a:fld>
             <a:endParaRPr lang="en-GB"/>
           </a:p>
@@ -3831,7 +3831,7 @@
     </p:spTree>
     <p:extLst>
       <p:ext uri="{BB962C8B-B14F-4D97-AF65-F5344CB8AC3E}">
-        <p14:creationId xmlns="" xmlns:p14="http://schemas.microsoft.com/office/powerpoint/2010/main" val="2940899993"/>
+        <p14:creationId xmlns:p14="http://schemas.microsoft.com/office/powerpoint/2010/main" val="2940899993"/>
       </p:ext>
     </p:extLst>
   </p:cSld>
@@ -4013,7 +4013,7 @@
             <a:fld id="{4CDA0734-6088-4A11-8A2B-97B609E3D287}" type="datetimeFigureOut">
               <a:rPr lang="en-GB" smtClean="0"/>
               <a:pPr/>
-              <a:t>13/12/2016</a:t>
+              <a:t>14/12/2016</a:t>
             </a:fld>
             <a:endParaRPr lang="en-GB"/>
           </a:p>
@@ -4065,7 +4065,7 @@
     </p:spTree>
     <p:extLst>
       <p:ext uri="{BB962C8B-B14F-4D97-AF65-F5344CB8AC3E}">
-        <p14:creationId xmlns="" xmlns:p14="http://schemas.microsoft.com/office/powerpoint/2010/main" val="1265992149"/>
+        <p14:creationId xmlns:p14="http://schemas.microsoft.com/office/powerpoint/2010/main" val="1265992149"/>
       </p:ext>
     </p:extLst>
   </p:cSld>
@@ -4389,7 +4389,7 @@
             <a:fld id="{4CDA0734-6088-4A11-8A2B-97B609E3D287}" type="datetimeFigureOut">
               <a:rPr lang="en-GB" smtClean="0"/>
               <a:pPr/>
-              <a:t>13/12/2016</a:t>
+              <a:t>14/12/2016</a:t>
             </a:fld>
             <a:endParaRPr lang="en-GB"/>
           </a:p>
@@ -4441,7 +4441,7 @@
     </p:spTree>
     <p:extLst>
       <p:ext uri="{BB962C8B-B14F-4D97-AF65-F5344CB8AC3E}">
-        <p14:creationId xmlns="" xmlns:p14="http://schemas.microsoft.com/office/powerpoint/2010/main" val="1711537170"/>
+        <p14:creationId xmlns:p14="http://schemas.microsoft.com/office/powerpoint/2010/main" val="1711537170"/>
       </p:ext>
     </p:extLst>
   </p:cSld>
@@ -4514,7 +4514,7 @@
             <a:fld id="{4CDA0734-6088-4A11-8A2B-97B609E3D287}" type="datetimeFigureOut">
               <a:rPr lang="en-GB" smtClean="0"/>
               <a:pPr/>
-              <a:t>13/12/2016</a:t>
+              <a:t>14/12/2016</a:t>
             </a:fld>
             <a:endParaRPr lang="en-GB"/>
           </a:p>
@@ -4566,7 +4566,7 @@
     </p:spTree>
     <p:extLst>
       <p:ext uri="{BB962C8B-B14F-4D97-AF65-F5344CB8AC3E}">
-        <p14:creationId xmlns="" xmlns:p14="http://schemas.microsoft.com/office/powerpoint/2010/main" val="3089190593"/>
+        <p14:creationId xmlns:p14="http://schemas.microsoft.com/office/powerpoint/2010/main" val="3089190593"/>
       </p:ext>
     </p:extLst>
   </p:cSld>
@@ -4611,7 +4611,7 @@
             <a:fld id="{4CDA0734-6088-4A11-8A2B-97B609E3D287}" type="datetimeFigureOut">
               <a:rPr lang="en-GB" smtClean="0"/>
               <a:pPr/>
-              <a:t>13/12/2016</a:t>
+              <a:t>14/12/2016</a:t>
             </a:fld>
             <a:endParaRPr lang="en-GB"/>
           </a:p>
@@ -4663,7 +4663,7 @@
     </p:spTree>
     <p:extLst>
       <p:ext uri="{BB962C8B-B14F-4D97-AF65-F5344CB8AC3E}">
-        <p14:creationId xmlns="" xmlns:p14="http://schemas.microsoft.com/office/powerpoint/2010/main" val="2521303672"/>
+        <p14:creationId xmlns:p14="http://schemas.microsoft.com/office/powerpoint/2010/main" val="2521303672"/>
       </p:ext>
     </p:extLst>
   </p:cSld>
@@ -4868,7 +4868,7 @@
             <a:fld id="{4CDA0734-6088-4A11-8A2B-97B609E3D287}" type="datetimeFigureOut">
               <a:rPr lang="en-GB" smtClean="0"/>
               <a:pPr/>
-              <a:t>13/12/2016</a:t>
+              <a:t>14/12/2016</a:t>
             </a:fld>
             <a:endParaRPr lang="en-GB"/>
           </a:p>
@@ -4920,7 +4920,7 @@
     </p:spTree>
     <p:extLst>
       <p:ext uri="{BB962C8B-B14F-4D97-AF65-F5344CB8AC3E}">
-        <p14:creationId xmlns="" xmlns:p14="http://schemas.microsoft.com/office/powerpoint/2010/main" val="1529297431"/>
+        <p14:creationId xmlns:p14="http://schemas.microsoft.com/office/powerpoint/2010/main" val="1529297431"/>
       </p:ext>
     </p:extLst>
   </p:cSld>
@@ -5133,7 +5133,7 @@
             <a:fld id="{4CDA0734-6088-4A11-8A2B-97B609E3D287}" type="datetimeFigureOut">
               <a:rPr lang="en-GB" smtClean="0"/>
               <a:pPr/>
-              <a:t>13/12/2016</a:t>
+              <a:t>14/12/2016</a:t>
             </a:fld>
             <a:endParaRPr lang="en-GB"/>
           </a:p>
@@ -5185,7 +5185,7 @@
     </p:spTree>
     <p:extLst>
       <p:ext uri="{BB962C8B-B14F-4D97-AF65-F5344CB8AC3E}">
-        <p14:creationId xmlns="" xmlns:p14="http://schemas.microsoft.com/office/powerpoint/2010/main" val="4047318941"/>
+        <p14:creationId xmlns:p14="http://schemas.microsoft.com/office/powerpoint/2010/main" val="4047318941"/>
       </p:ext>
     </p:extLst>
   </p:cSld>
@@ -5878,7 +5878,7 @@
             <a:fld id="{4CDA0734-6088-4A11-8A2B-97B609E3D287}" type="datetimeFigureOut">
               <a:rPr lang="en-GB" smtClean="0"/>
               <a:pPr/>
-              <a:t>13/12/2016</a:t>
+              <a:t>14/12/2016</a:t>
             </a:fld>
             <a:endParaRPr lang="en-GB"/>
           </a:p>
@@ -5964,7 +5964,7 @@
     </p:spTree>
     <p:extLst>
       <p:ext uri="{BB962C8B-B14F-4D97-AF65-F5344CB8AC3E}">
-        <p14:creationId xmlns="" xmlns:p14="http://schemas.microsoft.com/office/powerpoint/2010/main" val="4120066486"/>
+        <p14:creationId xmlns:p14="http://schemas.microsoft.com/office/powerpoint/2010/main" val="4120066486"/>
       </p:ext>
     </p:extLst>
   </p:cSld>
@@ -6494,7 +6494,7 @@
     </p:spTree>
     <p:extLst>
       <p:ext uri="{BB962C8B-B14F-4D97-AF65-F5344CB8AC3E}">
-        <p14:creationId xmlns="" xmlns:p14="http://schemas.microsoft.com/office/powerpoint/2010/main" val="384790399"/>
+        <p14:creationId xmlns:p14="http://schemas.microsoft.com/office/powerpoint/2010/main" val="384790399"/>
       </p:ext>
     </p:extLst>
   </p:cSld>
@@ -6607,7 +6607,7 @@
     </p:spTree>
     <p:extLst>
       <p:ext uri="{BB962C8B-B14F-4D97-AF65-F5344CB8AC3E}">
-        <p14:creationId xmlns="" xmlns:p14="http://schemas.microsoft.com/office/powerpoint/2010/main" val="1925635564"/>
+        <p14:creationId xmlns:p14="http://schemas.microsoft.com/office/powerpoint/2010/main" val="1925635564"/>
       </p:ext>
     </p:extLst>
   </p:cSld>
@@ -7016,14 +7016,9 @@
               <a:buNone/>
             </a:pPr>
             <a:r>
-              <a:rPr lang="en-GB" sz="2000" smtClean="0"/>
-              <a:t>Alex- </a:t>
-            </a:r>
-            <a:r>
-              <a:rPr lang="en-GB" sz="2000" smtClean="0"/>
-              <a:t>34</a:t>
-            </a:r>
-            <a:endParaRPr lang="en-GB" sz="2000" dirty="0" smtClean="0"/>
+              <a:rPr lang="en-GB" sz="2000" dirty="0" smtClean="0"/>
+              <a:t>Alex- 34</a:t>
+            </a:r>
           </a:p>
           <a:p>
             <a:pPr>
@@ -7043,9 +7038,14 @@
               <a:t>Tom- </a:t>
             </a:r>
             <a:r>
+              <a:rPr lang="en-GB" sz="2000" smtClean="0"/>
+              <a:t>19.5 (commented </a:t>
+            </a:r>
+            <a:r>
               <a:rPr lang="en-GB" sz="2000" dirty="0" smtClean="0"/>
-              <a:t>4</a:t>
-            </a:r>
+              <a:t>in commits)</a:t>
+            </a:r>
+            <a:endParaRPr lang="en-GB" sz="2000" dirty="0" smtClean="0"/>
           </a:p>
           <a:p>
             <a:pPr>
@@ -7319,7 +7319,7 @@
     </p:spTree>
     <p:extLst>
       <p:ext uri="{BB962C8B-B14F-4D97-AF65-F5344CB8AC3E}">
-        <p14:creationId xmlns="" xmlns:p14="http://schemas.microsoft.com/office/powerpoint/2010/main" val="2670981841"/>
+        <p14:creationId xmlns:p14="http://schemas.microsoft.com/office/powerpoint/2010/main" val="2670981841"/>
       </p:ext>
     </p:extLst>
   </p:cSld>
@@ -7451,7 +7451,7 @@
     </p:spTree>
     <p:extLst>
       <p:ext uri="{BB962C8B-B14F-4D97-AF65-F5344CB8AC3E}">
-        <p14:creationId xmlns="" xmlns:p14="http://schemas.microsoft.com/office/powerpoint/2010/main" val="3333049873"/>
+        <p14:creationId xmlns:p14="http://schemas.microsoft.com/office/powerpoint/2010/main" val="3333049873"/>
       </p:ext>
     </p:extLst>
   </p:cSld>
@@ -7712,7 +7712,7 @@
   <a:extraClrSchemeLst/>
   <a:extLst>
     <a:ext uri="{05A4C25C-085E-4340-85A3-A5531E510DB2}">
-      <thm15:themeFamily xmlns="" xmlns:thm15="http://schemas.microsoft.com/office/thememl/2012/main" name="Facet" id="{C0C680CD-088A-49FC-A102-D699147F32B2}" vid="{CFBC31BA-B70F-4F30-BCAA-4F3011E16C4D}"/>
+      <thm15:themeFamily xmlns:thm15="http://schemas.microsoft.com/office/thememl/2012/main" name="Facet" id="{C0C680CD-088A-49FC-A102-D699147F32B2}" vid="{CFBC31BA-B70F-4F30-BCAA-4F3011E16C4D}"/>
     </a:ext>
   </a:extLst>
 </a:theme>
@@ -8007,7 +8007,7 @@
   <a:extraClrSchemeLst/>
   <a:extLst>
     <a:ext uri="{05A4C25C-085E-4340-85A3-A5531E510DB2}">
-      <thm15:themeFamily xmlns="" xmlns:thm15="http://schemas.microsoft.com/office/thememl/2012/main" name="Office Theme" id="{62F939B6-93AF-4DB8-9C6B-D6C7DFDC589F}" vid="{4A3C46E8-61CC-4603-A589-7422A47A8E4A}"/>
+      <thm15:themeFamily xmlns:thm15="http://schemas.microsoft.com/office/thememl/2012/main" name="Office Theme" id="{62F939B6-93AF-4DB8-9C6B-D6C7DFDC589F}" vid="{4A3C46E8-61CC-4603-A589-7422A47A8E4A}"/>
     </a:ext>
   </a:extLst>
 </a:theme>

--- a/Management/Presentations/FINAL GROUP PRESENTATION.pptx
+++ b/Management/Presentations/FINAL GROUP PRESENTATION.pptx
@@ -7045,7 +7045,6 @@
               <a:rPr lang="en-GB" sz="2000" dirty="0" smtClean="0"/>
               <a:t>in commits)</a:t>
             </a:r>
-            <a:endParaRPr lang="en-GB" sz="2000" dirty="0" smtClean="0"/>
           </a:p>
           <a:p>
             <a:pPr>
@@ -7371,28 +7370,25 @@
       </p:sp>
       <p:pic>
         <p:nvPicPr>
-          <p:cNvPr id="1026" name="Picture 2" descr="C:\Users\Games\Pictures\Capture.PNG"/>
+          <p:cNvPr id="3" name="Picture 2"/>
           <p:cNvPicPr>
-            <a:picLocks noChangeAspect="1" noChangeArrowheads="1"/>
+            <a:picLocks noChangeAspect="1"/>
           </p:cNvPicPr>
           <p:nvPr/>
         </p:nvPicPr>
-        <p:blipFill>
-          <a:blip r:embed="rId2" cstate="print"/>
-          <a:srcRect/>
-          <a:stretch>
-            <a:fillRect/>
-          </a:stretch>
+        <p:blipFill rotWithShape="1">
+          <a:blip r:embed="rId2"/>
+          <a:srcRect l="23214" t="7407" r="22418" b="27012"/>
+          <a:stretch/>
         </p:blipFill>
-        <p:spPr bwMode="auto">
+        <p:spPr>
           <a:xfrm>
-            <a:off x="580990" y="1278096"/>
-            <a:ext cx="7987658" cy="5224876"/>
+            <a:off x="365984" y="1127555"/>
+            <a:ext cx="7833136" cy="5314904"/>
           </a:xfrm>
           <a:prstGeom prst="rect">
             <a:avLst/>
           </a:prstGeom>
-          <a:noFill/>
         </p:spPr>
       </p:pic>
     </p:spTree>

--- a/Management/Presentations/FINAL GROUP PRESENTATION.pptx
+++ b/Management/Presentations/FINAL GROUP PRESENTATION.pptx
@@ -5,17 +5,19 @@
     <p:sldMasterId id="2147483677" r:id="rId1"/>
   </p:sldMasterIdLst>
   <p:notesMasterIdLst>
-    <p:notesMasterId r:id="rId10"/>
+    <p:notesMasterId r:id="rId12"/>
   </p:notesMasterIdLst>
   <p:sldIdLst>
     <p:sldId id="256" r:id="rId2"/>
     <p:sldId id="257" r:id="rId3"/>
     <p:sldId id="263" r:id="rId4"/>
-    <p:sldId id="268" r:id="rId5"/>
-    <p:sldId id="270" r:id="rId6"/>
-    <p:sldId id="265" r:id="rId7"/>
-    <p:sldId id="269" r:id="rId8"/>
-    <p:sldId id="266" r:id="rId9"/>
+    <p:sldId id="272" r:id="rId5"/>
+    <p:sldId id="268" r:id="rId6"/>
+    <p:sldId id="270" r:id="rId7"/>
+    <p:sldId id="265" r:id="rId8"/>
+    <p:sldId id="269" r:id="rId9"/>
+    <p:sldId id="271" r:id="rId10"/>
+    <p:sldId id="266" r:id="rId11"/>
   </p:sldIdLst>
   <p:sldSz cx="12192000" cy="6858000"/>
   <p:notesSz cx="6858000" cy="9144000"/>
@@ -116,7 +118,7 @@
   </p:defaultTextStyle>
   <p:extLst>
     <p:ext uri="{EFAFB233-063F-42B5-8137-9DF3F51BA10A}">
-      <p15:sldGuideLst xmlns:p15="http://schemas.microsoft.com/office/powerpoint/2012/main">
+      <p15:sldGuideLst xmlns:p15="http://schemas.microsoft.com/office/powerpoint/2012/main" xmlns="">
         <p15:guide id="1" orient="horz" pos="2160">
           <p15:clr>
             <a:srgbClr val="A4A3A4"/>
@@ -131,6 +133,137 @@
     </p:ext>
   </p:extLst>
 </p:presentation>
+</file>
+
+<file path=ppt/charts/chart1.xml><?xml version="1.0" encoding="utf-8"?>
+<c:chartSpace xmlns:c="http://schemas.openxmlformats.org/drawingml/2006/chart" xmlns:a="http://schemas.openxmlformats.org/drawingml/2006/main" xmlns:r="http://schemas.openxmlformats.org/officeDocument/2006/relationships">
+  <c:lang val="en-GB"/>
+  <c:chart>
+    <c:title>
+      <c:layout>
+        <c:manualLayout>
+          <c:xMode val="edge"/>
+          <c:yMode val="edge"/>
+          <c:x val="0.31405081200787399"/>
+          <c:y val="3.5156247837337118E-2"/>
+        </c:manualLayout>
+      </c:layout>
+    </c:title>
+    <c:plotArea>
+      <c:layout>
+        <c:manualLayout>
+          <c:layoutTarget val="inner"/>
+          <c:xMode val="edge"/>
+          <c:yMode val="edge"/>
+          <c:x val="5.6973917322834647E-2"/>
+          <c:y val="2.4492185993344857E-2"/>
+          <c:w val="0.70760420767716536"/>
+          <c:h val="0.79328919824746569"/>
+        </c:manualLayout>
+      </c:layout>
+      <c:barChart>
+        <c:barDir val="col"/>
+        <c:grouping val="clustered"/>
+        <c:ser>
+          <c:idx val="0"/>
+          <c:order val="0"/>
+          <c:tx>
+            <c:strRef>
+              <c:f>Sheet1!$B$1</c:f>
+              <c:strCache>
+                <c:ptCount val="1"/>
+                <c:pt idx="0">
+                  <c:v>Hours logged</c:v>
+                </c:pt>
+              </c:strCache>
+            </c:strRef>
+          </c:tx>
+          <c:cat>
+            <c:strRef>
+              <c:f>Sheet1!$A$2:$A$5</c:f>
+              <c:strCache>
+                <c:ptCount val="4"/>
+                <c:pt idx="0">
+                  <c:v>Alex</c:v>
+                </c:pt>
+                <c:pt idx="1">
+                  <c:v>Ryan</c:v>
+                </c:pt>
+                <c:pt idx="2">
+                  <c:v>Daniel</c:v>
+                </c:pt>
+                <c:pt idx="3">
+                  <c:v>Tom</c:v>
+                </c:pt>
+              </c:strCache>
+            </c:strRef>
+          </c:cat>
+          <c:val>
+            <c:numRef>
+              <c:f>Sheet1!$B$2:$B$5</c:f>
+              <c:numCache>
+                <c:formatCode>General</c:formatCode>
+                <c:ptCount val="4"/>
+                <c:pt idx="0">
+                  <c:v>34</c:v>
+                </c:pt>
+                <c:pt idx="1">
+                  <c:v>30</c:v>
+                </c:pt>
+                <c:pt idx="2">
+                  <c:v>35</c:v>
+                </c:pt>
+                <c:pt idx="3">
+                  <c:v>32</c:v>
+                </c:pt>
+              </c:numCache>
+            </c:numRef>
+          </c:val>
+        </c:ser>
+        <c:axId val="70827008"/>
+        <c:axId val="70927104"/>
+      </c:barChart>
+      <c:catAx>
+        <c:axId val="70827008"/>
+        <c:scaling>
+          <c:orientation val="minMax"/>
+        </c:scaling>
+        <c:axPos val="b"/>
+        <c:tickLblPos val="nextTo"/>
+        <c:crossAx val="70927104"/>
+        <c:crosses val="autoZero"/>
+        <c:auto val="1"/>
+        <c:lblAlgn val="ctr"/>
+        <c:lblOffset val="100"/>
+      </c:catAx>
+      <c:valAx>
+        <c:axId val="70927104"/>
+        <c:scaling>
+          <c:orientation val="minMax"/>
+        </c:scaling>
+        <c:axPos val="l"/>
+        <c:majorGridlines/>
+        <c:numFmt formatCode="General" sourceLinked="1"/>
+        <c:tickLblPos val="nextTo"/>
+        <c:crossAx val="70827008"/>
+        <c:crosses val="autoZero"/>
+        <c:crossBetween val="between"/>
+      </c:valAx>
+    </c:plotArea>
+    <c:plotVisOnly val="1"/>
+  </c:chart>
+  <c:txPr>
+    <a:bodyPr/>
+    <a:lstStyle/>
+    <a:p>
+      <a:pPr>
+        <a:defRPr sz="1800"/>
+      </a:pPr>
+      <a:endParaRPr lang="en-US"/>
+    </a:p>
+  </c:txPr>
+  <c:externalData r:id="rId1"/>
+</c:chartSpace>
 </file>
 
 <file path=ppt/notesMasters/notesMaster1.xml><?xml version="1.0" encoding="utf-8"?>
@@ -384,7 +517,7 @@
     </p:spTree>
     <p:extLst>
       <p:ext uri="{BB962C8B-B14F-4D97-AF65-F5344CB8AC3E}">
-        <p14:creationId xmlns:p14="http://schemas.microsoft.com/office/powerpoint/2010/main" val="1094693689"/>
+        <p14:creationId xmlns:p14="http://schemas.microsoft.com/office/powerpoint/2010/main" xmlns="" val="1094693689"/>
       </p:ext>
     </p:extLst>
   </p:cSld>
@@ -642,7 +775,7 @@
     </p:spTree>
     <p:extLst>
       <p:ext uri="{BB962C8B-B14F-4D97-AF65-F5344CB8AC3E}">
-        <p14:creationId xmlns:p14="http://schemas.microsoft.com/office/powerpoint/2010/main" val="1389064531"/>
+        <p14:creationId xmlns:p14="http://schemas.microsoft.com/office/powerpoint/2010/main" xmlns="" val="1389064531"/>
       </p:ext>
     </p:extLst>
   </p:cSld>
@@ -1427,7 +1560,7 @@
     </p:spTree>
     <p:extLst>
       <p:ext uri="{BB962C8B-B14F-4D97-AF65-F5344CB8AC3E}">
-        <p14:creationId xmlns:p14="http://schemas.microsoft.com/office/powerpoint/2010/main" val="1416213336"/>
+        <p14:creationId xmlns:p14="http://schemas.microsoft.com/office/powerpoint/2010/main" xmlns="" val="1416213336"/>
       </p:ext>
     </p:extLst>
   </p:cSld>
@@ -1680,7 +1813,7 @@
     </p:spTree>
     <p:extLst>
       <p:ext uri="{BB962C8B-B14F-4D97-AF65-F5344CB8AC3E}">
-        <p14:creationId xmlns:p14="http://schemas.microsoft.com/office/powerpoint/2010/main" val="2996688164"/>
+        <p14:creationId xmlns:p14="http://schemas.microsoft.com/office/powerpoint/2010/main" xmlns="" val="2996688164"/>
       </p:ext>
     </p:extLst>
   </p:cSld>
@@ -2086,7 +2219,7 @@
     </p:spTree>
     <p:extLst>
       <p:ext uri="{BB962C8B-B14F-4D97-AF65-F5344CB8AC3E}">
-        <p14:creationId xmlns:p14="http://schemas.microsoft.com/office/powerpoint/2010/main" val="628267690"/>
+        <p14:creationId xmlns:p14="http://schemas.microsoft.com/office/powerpoint/2010/main" xmlns="" val="628267690"/>
       </p:ext>
     </p:extLst>
   </p:cSld>
@@ -2339,7 +2472,7 @@
     </p:spTree>
     <p:extLst>
       <p:ext uri="{BB962C8B-B14F-4D97-AF65-F5344CB8AC3E}">
-        <p14:creationId xmlns:p14="http://schemas.microsoft.com/office/powerpoint/2010/main" val="642880592"/>
+        <p14:creationId xmlns:p14="http://schemas.microsoft.com/office/powerpoint/2010/main" xmlns="" val="642880592"/>
       </p:ext>
     </p:extLst>
   </p:cSld>
@@ -2737,7 +2870,7 @@
     </p:spTree>
     <p:extLst>
       <p:ext uri="{BB962C8B-B14F-4D97-AF65-F5344CB8AC3E}">
-        <p14:creationId xmlns:p14="http://schemas.microsoft.com/office/powerpoint/2010/main" val="1677234499"/>
+        <p14:creationId xmlns:p14="http://schemas.microsoft.com/office/powerpoint/2010/main" xmlns="" val="1677234499"/>
       </p:ext>
     </p:extLst>
   </p:cSld>
@@ -3050,7 +3183,7 @@
     </p:spTree>
     <p:extLst>
       <p:ext uri="{BB962C8B-B14F-4D97-AF65-F5344CB8AC3E}">
-        <p14:creationId xmlns:p14="http://schemas.microsoft.com/office/powerpoint/2010/main" val="1214186571"/>
+        <p14:creationId xmlns:p14="http://schemas.microsoft.com/office/powerpoint/2010/main" xmlns="" val="1214186571"/>
       </p:ext>
     </p:extLst>
   </p:cSld>
@@ -3222,7 +3355,7 @@
     </p:spTree>
     <p:extLst>
       <p:ext uri="{BB962C8B-B14F-4D97-AF65-F5344CB8AC3E}">
-        <p14:creationId xmlns:p14="http://schemas.microsoft.com/office/powerpoint/2010/main" val="333804558"/>
+        <p14:creationId xmlns:p14="http://schemas.microsoft.com/office/powerpoint/2010/main" xmlns="" val="333804558"/>
       </p:ext>
     </p:extLst>
   </p:cSld>
@@ -3404,7 +3537,7 @@
     </p:spTree>
     <p:extLst>
       <p:ext uri="{BB962C8B-B14F-4D97-AF65-F5344CB8AC3E}">
-        <p14:creationId xmlns:p14="http://schemas.microsoft.com/office/powerpoint/2010/main" val="2904802637"/>
+        <p14:creationId xmlns:p14="http://schemas.microsoft.com/office/powerpoint/2010/main" xmlns="" val="2904802637"/>
       </p:ext>
     </p:extLst>
   </p:cSld>
@@ -3582,7 +3715,7 @@
     </p:spTree>
     <p:extLst>
       <p:ext uri="{BB962C8B-B14F-4D97-AF65-F5344CB8AC3E}">
-        <p14:creationId xmlns:p14="http://schemas.microsoft.com/office/powerpoint/2010/main" val="1207658432"/>
+        <p14:creationId xmlns:p14="http://schemas.microsoft.com/office/powerpoint/2010/main" xmlns="" val="1207658432"/>
       </p:ext>
     </p:extLst>
   </p:cSld>
@@ -3831,7 +3964,7 @@
     </p:spTree>
     <p:extLst>
       <p:ext uri="{BB962C8B-B14F-4D97-AF65-F5344CB8AC3E}">
-        <p14:creationId xmlns:p14="http://schemas.microsoft.com/office/powerpoint/2010/main" val="2940899993"/>
+        <p14:creationId xmlns:p14="http://schemas.microsoft.com/office/powerpoint/2010/main" xmlns="" val="2940899993"/>
       </p:ext>
     </p:extLst>
   </p:cSld>
@@ -4065,7 +4198,7 @@
     </p:spTree>
     <p:extLst>
       <p:ext uri="{BB962C8B-B14F-4D97-AF65-F5344CB8AC3E}">
-        <p14:creationId xmlns:p14="http://schemas.microsoft.com/office/powerpoint/2010/main" val="1265992149"/>
+        <p14:creationId xmlns:p14="http://schemas.microsoft.com/office/powerpoint/2010/main" xmlns="" val="1265992149"/>
       </p:ext>
     </p:extLst>
   </p:cSld>
@@ -4441,7 +4574,7 @@
     </p:spTree>
     <p:extLst>
       <p:ext uri="{BB962C8B-B14F-4D97-AF65-F5344CB8AC3E}">
-        <p14:creationId xmlns:p14="http://schemas.microsoft.com/office/powerpoint/2010/main" val="1711537170"/>
+        <p14:creationId xmlns:p14="http://schemas.microsoft.com/office/powerpoint/2010/main" xmlns="" val="1711537170"/>
       </p:ext>
     </p:extLst>
   </p:cSld>
@@ -4566,7 +4699,7 @@
     </p:spTree>
     <p:extLst>
       <p:ext uri="{BB962C8B-B14F-4D97-AF65-F5344CB8AC3E}">
-        <p14:creationId xmlns:p14="http://schemas.microsoft.com/office/powerpoint/2010/main" val="3089190593"/>
+        <p14:creationId xmlns:p14="http://schemas.microsoft.com/office/powerpoint/2010/main" xmlns="" val="3089190593"/>
       </p:ext>
     </p:extLst>
   </p:cSld>
@@ -4663,7 +4796,7 @@
     </p:spTree>
     <p:extLst>
       <p:ext uri="{BB962C8B-B14F-4D97-AF65-F5344CB8AC3E}">
-        <p14:creationId xmlns:p14="http://schemas.microsoft.com/office/powerpoint/2010/main" val="2521303672"/>
+        <p14:creationId xmlns:p14="http://schemas.microsoft.com/office/powerpoint/2010/main" xmlns="" val="2521303672"/>
       </p:ext>
     </p:extLst>
   </p:cSld>
@@ -4920,7 +5053,7 @@
     </p:spTree>
     <p:extLst>
       <p:ext uri="{BB962C8B-B14F-4D97-AF65-F5344CB8AC3E}">
-        <p14:creationId xmlns:p14="http://schemas.microsoft.com/office/powerpoint/2010/main" val="1529297431"/>
+        <p14:creationId xmlns:p14="http://schemas.microsoft.com/office/powerpoint/2010/main" xmlns="" val="1529297431"/>
       </p:ext>
     </p:extLst>
   </p:cSld>
@@ -5185,7 +5318,7 @@
     </p:spTree>
     <p:extLst>
       <p:ext uri="{BB962C8B-B14F-4D97-AF65-F5344CB8AC3E}">
-        <p14:creationId xmlns:p14="http://schemas.microsoft.com/office/powerpoint/2010/main" val="4047318941"/>
+        <p14:creationId xmlns:p14="http://schemas.microsoft.com/office/powerpoint/2010/main" xmlns="" val="4047318941"/>
       </p:ext>
     </p:extLst>
   </p:cSld>
@@ -5964,7 +6097,7 @@
     </p:spTree>
     <p:extLst>
       <p:ext uri="{BB962C8B-B14F-4D97-AF65-F5344CB8AC3E}">
-        <p14:creationId xmlns:p14="http://schemas.microsoft.com/office/powerpoint/2010/main" val="4120066486"/>
+        <p14:creationId xmlns:p14="http://schemas.microsoft.com/office/powerpoint/2010/main" xmlns="" val="4120066486"/>
       </p:ext>
     </p:extLst>
   </p:cSld>
@@ -6494,7 +6627,65 @@
     </p:spTree>
     <p:extLst>
       <p:ext uri="{BB962C8B-B14F-4D97-AF65-F5344CB8AC3E}">
-        <p14:creationId xmlns:p14="http://schemas.microsoft.com/office/powerpoint/2010/main" val="384790399"/>
+        <p14:creationId xmlns:p14="http://schemas.microsoft.com/office/powerpoint/2010/main" xmlns="" val="384790399"/>
+      </p:ext>
+    </p:extLst>
+  </p:cSld>
+  <p:clrMapOvr>
+    <a:masterClrMapping/>
+  </p:clrMapOvr>
+</p:sld>
+</file>
+
+<file path=ppt/slides/slide10.xml><?xml version="1.0" encoding="utf-8"?>
+<p:sld xmlns:a="http://schemas.openxmlformats.org/drawingml/2006/main" xmlns:r="http://schemas.openxmlformats.org/officeDocument/2006/relationships" xmlns:p="http://schemas.openxmlformats.org/presentationml/2006/main">
+  <p:cSld>
+    <p:spTree>
+      <p:nvGrpSpPr>
+        <p:cNvPr id="1" name=""/>
+        <p:cNvGrpSpPr/>
+        <p:nvPr/>
+      </p:nvGrpSpPr>
+      <p:grpSpPr>
+        <a:xfrm>
+          <a:off x="0" y="0"/>
+          <a:ext cx="0" cy="0"/>
+          <a:chOff x="0" y="0"/>
+          <a:chExt cx="0" cy="0"/>
+        </a:xfrm>
+      </p:grpSpPr>
+      <p:sp>
+        <p:nvSpPr>
+          <p:cNvPr id="2" name="Title 1"/>
+          <p:cNvSpPr>
+            <a:spLocks noGrp="1"/>
+          </p:cNvSpPr>
+          <p:nvPr>
+            <p:ph type="title"/>
+          </p:nvPr>
+        </p:nvSpPr>
+        <p:spPr>
+          <a:xfrm>
+            <a:off x="1082581" y="2802082"/>
+            <a:ext cx="8596668" cy="1320800"/>
+          </a:xfrm>
+        </p:spPr>
+        <p:txBody>
+          <a:bodyPr/>
+          <a:lstStyle/>
+          <a:p>
+            <a:pPr algn="ctr"/>
+            <a:r>
+              <a:rPr lang="en-GB" dirty="0"/>
+              <a:t>Questions</a:t>
+            </a:r>
+          </a:p>
+        </p:txBody>
+      </p:sp>
+    </p:spTree>
+    <p:extLst>
+      <p:ext uri="{BB962C8B-B14F-4D97-AF65-F5344CB8AC3E}">
+        <p14:creationId xmlns:p14="http://schemas.microsoft.com/office/powerpoint/2010/main" xmlns="" val="3333049873"/>
       </p:ext>
     </p:extLst>
   </p:cSld>
@@ -6607,7 +6798,7 @@
     </p:spTree>
     <p:extLst>
       <p:ext uri="{BB962C8B-B14F-4D97-AF65-F5344CB8AC3E}">
-        <p14:creationId xmlns:p14="http://schemas.microsoft.com/office/powerpoint/2010/main" val="1925635564"/>
+        <p14:creationId xmlns:p14="http://schemas.microsoft.com/office/powerpoint/2010/main" xmlns="" val="1925635564"/>
       </p:ext>
     </p:extLst>
   </p:cSld>
@@ -6794,7 +6985,7 @@
           <a:p>
             <a:r>
               <a:rPr lang="en-GB" dirty="0" smtClean="0"/>
-              <a:t>Video Walkthrough (Daniel, Tom)</a:t>
+              <a:t>Mechanics</a:t>
             </a:r>
             <a:endParaRPr lang="en-GB" dirty="0"/>
           </a:p>
@@ -6817,13 +7008,16 @@
           <a:p>
             <a:r>
               <a:rPr lang="en-GB" dirty="0" smtClean="0"/>
-              <a:t>Talk about changes made to the games mechanics (Daniel)</a:t>
-            </a:r>
+              <a:t>Clicking and dragging </a:t>
+            </a:r>
+          </a:p>
+          <a:p>
+            <a:endParaRPr lang="en-GB" dirty="0" smtClean="0"/>
           </a:p>
           <a:p>
             <a:r>
               <a:rPr lang="en-GB" dirty="0" smtClean="0"/>
-              <a:t>Talk about how we made changes to the bookshelves and level in general so that the player could clearly see what to click on (Tom)</a:t>
+              <a:t>Organising based on colour and size</a:t>
             </a:r>
             <a:endParaRPr lang="en-GB" dirty="0"/>
           </a:p>
@@ -6871,7 +7065,7 @@
           <a:p>
             <a:r>
               <a:rPr lang="en-GB" dirty="0" smtClean="0"/>
-              <a:t>Lessons learnt and changes made (Alex)</a:t>
+              <a:t>Video Walkthrough (Daniel, Tom)</a:t>
             </a:r>
             <a:endParaRPr lang="en-GB" dirty="0"/>
           </a:p>
@@ -6893,35 +7087,15 @@
           <a:lstStyle/>
           <a:p>
             <a:r>
-              <a:rPr lang="en-GB" sz="2000" dirty="0" smtClean="0"/>
-              <a:t>Dont treat the player as if they are stupid</a:t>
-            </a:r>
-          </a:p>
-          <a:p>
-            <a:pPr>
-              <a:buNone/>
-            </a:pPr>
-            <a:endParaRPr lang="en-GB" sz="2000" dirty="0" smtClean="0"/>
-          </a:p>
-          <a:p>
-            <a:r>
-              <a:rPr lang="en-GB" sz="2000" dirty="0" smtClean="0"/>
-              <a:t>Don’t waste the players time</a:t>
-            </a:r>
-          </a:p>
-          <a:p>
-            <a:endParaRPr lang="en-GB" sz="2000" dirty="0" smtClean="0"/>
-          </a:p>
-          <a:p>
-            <a:r>
-              <a:rPr lang="en-GB" sz="2000" dirty="0" smtClean="0"/>
-              <a:t>Perform squint tests and go through visual hierarchy </a:t>
-            </a:r>
-          </a:p>
-          <a:p>
-            <a:endParaRPr lang="en-GB" sz="2000" dirty="0" smtClean="0"/>
-          </a:p>
-          <a:p>
+              <a:rPr lang="en-GB" dirty="0" smtClean="0"/>
+              <a:t>Talk about changes made to the games mechanics (Daniel)</a:t>
+            </a:r>
+          </a:p>
+          <a:p>
+            <a:r>
+              <a:rPr lang="en-GB" dirty="0" smtClean="0"/>
+              <a:t>Talk about how we made changes to the bookshelves and level in general so that the player could clearly see what to click on (Tom)</a:t>
+            </a:r>
             <a:endParaRPr lang="en-GB" dirty="0"/>
           </a:p>
         </p:txBody>
@@ -6968,7 +7142,7 @@
           <a:p>
             <a:r>
               <a:rPr lang="en-GB" dirty="0" smtClean="0"/>
-              <a:t>Management (Alex, Ryan)</a:t>
+              <a:t>Lessons learnt and changes made (Alex)</a:t>
             </a:r>
             <a:endParaRPr lang="en-GB" dirty="0"/>
           </a:p>
@@ -6984,343 +7158,46 @@
             <p:ph idx="1"/>
           </p:nvPr>
         </p:nvSpPr>
-        <p:spPr>
-          <a:xfrm>
-            <a:off x="677334" y="1258349"/>
-            <a:ext cx="8596668" cy="5276675"/>
-          </a:xfrm>
-        </p:spPr>
+        <p:spPr/>
         <p:txBody>
           <a:bodyPr/>
           <a:lstStyle/>
           <a:p>
-            <a:pPr marL="0" indent="0">
+            <a:r>
+              <a:rPr lang="en-GB" sz="2000" dirty="0" smtClean="0"/>
+              <a:t>Dont treat the player as if they are stupid</a:t>
+            </a:r>
+          </a:p>
+          <a:p>
+            <a:pPr>
               <a:buNone/>
             </a:pPr>
+            <a:endParaRPr lang="en-GB" sz="2000" dirty="0" smtClean="0"/>
+          </a:p>
+          <a:p>
+            <a:r>
+              <a:rPr lang="en-GB" sz="2000" dirty="0" smtClean="0"/>
+              <a:t>Don’t waste the players time</a:t>
+            </a:r>
+          </a:p>
+          <a:p>
+            <a:endParaRPr lang="en-GB" sz="2000" dirty="0" smtClean="0"/>
+          </a:p>
+          <a:p>
+            <a:r>
+              <a:rPr lang="en-GB" sz="2000" dirty="0" smtClean="0"/>
+              <a:t>Perform squint tests and go through visual hierarchy </a:t>
+            </a:r>
+          </a:p>
+          <a:p>
+            <a:endParaRPr lang="en-GB" sz="2000" dirty="0" smtClean="0"/>
+          </a:p>
+          <a:p>
             <a:endParaRPr lang="en-GB" dirty="0"/>
           </a:p>
-          <a:p>
-            <a:r>
-              <a:rPr lang="en-GB" sz="2000" dirty="0" smtClean="0"/>
-              <a:t>No hours logged until meeting with Rob</a:t>
-            </a:r>
-          </a:p>
-          <a:p>
-            <a:r>
-              <a:rPr lang="en-GB" sz="2000" dirty="0" smtClean="0"/>
-              <a:t>Hours logged in GitHub comments </a:t>
-            </a:r>
-          </a:p>
-          <a:p>
-            <a:pPr>
-              <a:buNone/>
-            </a:pPr>
-            <a:r>
-              <a:rPr lang="en-GB" sz="2000" dirty="0" smtClean="0"/>
-              <a:t>Alex- 34</a:t>
-            </a:r>
-          </a:p>
-          <a:p>
-            <a:pPr>
-              <a:buNone/>
-            </a:pPr>
-            <a:r>
-              <a:rPr lang="en-GB" sz="2000" dirty="0" smtClean="0"/>
-              <a:t>Ryan- 5</a:t>
-            </a:r>
-          </a:p>
-          <a:p>
-            <a:pPr>
-              <a:buNone/>
-            </a:pPr>
-            <a:r>
-              <a:rPr lang="en-GB" sz="2000" dirty="0" smtClean="0"/>
-              <a:t>Tom- </a:t>
-            </a:r>
-            <a:r>
-              <a:rPr lang="en-GB" sz="2000" smtClean="0"/>
-              <a:t>19.5 (commented </a:t>
-            </a:r>
-            <a:r>
-              <a:rPr lang="en-GB" sz="2000" dirty="0" smtClean="0"/>
-              <a:t>in commits)</a:t>
-            </a:r>
-          </a:p>
-          <a:p>
-            <a:pPr>
-              <a:buNone/>
-            </a:pPr>
-            <a:r>
-              <a:rPr lang="en-GB" sz="2000" dirty="0" smtClean="0"/>
-              <a:t>Daniel- 3</a:t>
-            </a:r>
-          </a:p>
-          <a:p>
-            <a:pPr>
-              <a:buNone/>
-            </a:pPr>
-            <a:endParaRPr lang="en-GB" dirty="0"/>
-          </a:p>
-          <a:p>
-            <a:pPr>
-              <a:buNone/>
-            </a:pPr>
-            <a:endParaRPr lang="en-GB" dirty="0" smtClean="0"/>
-          </a:p>
-        </p:txBody>
-      </p:sp>
-      <p:sp>
-        <p:nvSpPr>
-          <p:cNvPr id="4" name="Content Placeholder 2"/>
-          <p:cNvSpPr txBox="1">
-            <a:spLocks/>
-          </p:cNvSpPr>
-          <p:nvPr/>
-        </p:nvSpPr>
-        <p:spPr>
-          <a:xfrm>
-            <a:off x="5711670" y="2283880"/>
-            <a:ext cx="2394640" cy="2616894"/>
-          </a:xfrm>
-          <a:prstGeom prst="rect">
-            <a:avLst/>
-          </a:prstGeom>
-        </p:spPr>
-        <p:txBody>
-          <a:bodyPr vert="horz" lIns="91440" tIns="45720" rIns="91440" bIns="45720" rtlCol="0">
-            <a:normAutofit/>
-          </a:bodyPr>
-          <a:lstStyle/>
-          <a:p>
-            <a:pPr marL="342900" marR="0" lvl="0" indent="-342900" algn="l" defTabSz="457200" rtl="0" eaLnBrk="1" fontAlgn="auto" latinLnBrk="0" hangingPunct="1">
-              <a:lnSpc>
-                <a:spcPct val="100000"/>
-              </a:lnSpc>
-              <a:spcBef>
-                <a:spcPts val="1000"/>
-              </a:spcBef>
-              <a:spcAft>
-                <a:spcPts val="0"/>
-              </a:spcAft>
-              <a:buClr>
-                <a:schemeClr val="accent1"/>
-              </a:buClr>
-              <a:buSzPct val="80000"/>
-              <a:buFont typeface="Wingdings 3" charset="2"/>
-              <a:buChar char=""/>
-              <a:tabLst/>
-              <a:defRPr/>
-            </a:pPr>
-            <a:r>
-              <a:rPr kumimoji="0" lang="en-GB" sz="2000" b="0" i="0" u="none" strike="noStrike" kern="1200" cap="none" spc="0" normalizeH="0" baseline="0" noProof="0" dirty="0" smtClean="0">
-                <a:ln>
-                  <a:noFill/>
-                </a:ln>
-                <a:solidFill>
-                  <a:schemeClr val="tx1">
-                    <a:lumMod val="75000"/>
-                    <a:lumOff val="25000"/>
-                  </a:schemeClr>
-                </a:solidFill>
-                <a:effectLst/>
-                <a:uLnTx/>
-                <a:uFillTx/>
-                <a:latin typeface="+mn-lt"/>
-                <a:ea typeface="+mn-ea"/>
-                <a:cs typeface="+mn-cs"/>
-              </a:rPr>
-              <a:t>Emails sent:</a:t>
-            </a:r>
-          </a:p>
-          <a:p>
-            <a:pPr marL="342900" marR="0" lvl="0" indent="-342900" algn="l" defTabSz="457200" rtl="0" eaLnBrk="1" fontAlgn="auto" latinLnBrk="0" hangingPunct="1">
-              <a:lnSpc>
-                <a:spcPct val="100000"/>
-              </a:lnSpc>
-              <a:spcBef>
-                <a:spcPts val="1000"/>
-              </a:spcBef>
-              <a:spcAft>
-                <a:spcPts val="0"/>
-              </a:spcAft>
-              <a:buClr>
-                <a:schemeClr val="accent1"/>
-              </a:buClr>
-              <a:buSzPct val="80000"/>
-              <a:buFont typeface="Wingdings 3" charset="2"/>
-              <a:buNone/>
-              <a:tabLst/>
-              <a:defRPr/>
-            </a:pPr>
-            <a:r>
-              <a:rPr kumimoji="0" lang="en-GB" sz="2000" b="0" i="0" u="none" strike="noStrike" kern="1200" cap="none" spc="0" normalizeH="0" baseline="0" noProof="0" dirty="0" smtClean="0">
-                <a:ln>
-                  <a:noFill/>
-                </a:ln>
-                <a:solidFill>
-                  <a:schemeClr val="tx1">
-                    <a:lumMod val="75000"/>
-                    <a:lumOff val="25000"/>
-                  </a:schemeClr>
-                </a:solidFill>
-                <a:effectLst/>
-                <a:uLnTx/>
-                <a:uFillTx/>
-                <a:latin typeface="+mn-lt"/>
-                <a:ea typeface="+mn-ea"/>
-                <a:cs typeface="+mn-cs"/>
-              </a:rPr>
-              <a:t>Alex- 27</a:t>
-            </a:r>
-          </a:p>
-          <a:p>
-            <a:pPr marL="342900" marR="0" lvl="0" indent="-342900" algn="l" defTabSz="457200" rtl="0" eaLnBrk="1" fontAlgn="auto" latinLnBrk="0" hangingPunct="1">
-              <a:lnSpc>
-                <a:spcPct val="100000"/>
-              </a:lnSpc>
-              <a:spcBef>
-                <a:spcPts val="1000"/>
-              </a:spcBef>
-              <a:spcAft>
-                <a:spcPts val="0"/>
-              </a:spcAft>
-              <a:buClr>
-                <a:schemeClr val="accent1"/>
-              </a:buClr>
-              <a:buSzPct val="80000"/>
-              <a:buFont typeface="Wingdings 3" charset="2"/>
-              <a:buNone/>
-              <a:tabLst/>
-              <a:defRPr/>
-            </a:pPr>
-            <a:r>
-              <a:rPr kumimoji="0" lang="en-GB" sz="2000" b="0" i="0" u="none" strike="noStrike" kern="1200" cap="none" spc="0" normalizeH="0" baseline="0" noProof="0" dirty="0" smtClean="0">
-                <a:ln>
-                  <a:noFill/>
-                </a:ln>
-                <a:solidFill>
-                  <a:schemeClr val="tx1">
-                    <a:lumMod val="75000"/>
-                    <a:lumOff val="25000"/>
-                  </a:schemeClr>
-                </a:solidFill>
-                <a:effectLst/>
-                <a:uLnTx/>
-                <a:uFillTx/>
-                <a:latin typeface="+mn-lt"/>
-                <a:ea typeface="+mn-ea"/>
-                <a:cs typeface="+mn-cs"/>
-              </a:rPr>
-              <a:t>Ryan- 23</a:t>
-            </a:r>
-          </a:p>
-          <a:p>
-            <a:pPr marL="342900" marR="0" lvl="0" indent="-342900" algn="l" defTabSz="457200" rtl="0" eaLnBrk="1" fontAlgn="auto" latinLnBrk="0" hangingPunct="1">
-              <a:lnSpc>
-                <a:spcPct val="100000"/>
-              </a:lnSpc>
-              <a:spcBef>
-                <a:spcPts val="1000"/>
-              </a:spcBef>
-              <a:spcAft>
-                <a:spcPts val="0"/>
-              </a:spcAft>
-              <a:buClr>
-                <a:schemeClr val="accent1"/>
-              </a:buClr>
-              <a:buSzPct val="80000"/>
-              <a:buFont typeface="Wingdings 3" charset="2"/>
-              <a:buNone/>
-              <a:tabLst/>
-              <a:defRPr/>
-            </a:pPr>
-            <a:r>
-              <a:rPr kumimoji="0" lang="en-GB" sz="2000" b="0" i="0" u="none" strike="noStrike" kern="1200" cap="none" spc="0" normalizeH="0" baseline="0" noProof="0" dirty="0" smtClean="0">
-                <a:ln>
-                  <a:noFill/>
-                </a:ln>
-                <a:solidFill>
-                  <a:schemeClr val="tx1">
-                    <a:lumMod val="75000"/>
-                    <a:lumOff val="25000"/>
-                  </a:schemeClr>
-                </a:solidFill>
-                <a:effectLst/>
-                <a:uLnTx/>
-                <a:uFillTx/>
-                <a:latin typeface="+mn-lt"/>
-                <a:ea typeface="+mn-ea"/>
-                <a:cs typeface="+mn-cs"/>
-              </a:rPr>
-              <a:t>Daniel- 23</a:t>
-            </a:r>
-          </a:p>
-          <a:p>
-            <a:pPr marL="342900" marR="0" lvl="0" indent="-342900" algn="l" defTabSz="457200" rtl="0" eaLnBrk="1" fontAlgn="auto" latinLnBrk="0" hangingPunct="1">
-              <a:lnSpc>
-                <a:spcPct val="100000"/>
-              </a:lnSpc>
-              <a:spcBef>
-                <a:spcPts val="1000"/>
-              </a:spcBef>
-              <a:spcAft>
-                <a:spcPts val="0"/>
-              </a:spcAft>
-              <a:buClr>
-                <a:schemeClr val="accent1"/>
-              </a:buClr>
-              <a:buSzPct val="80000"/>
-              <a:buFont typeface="Wingdings 3" charset="2"/>
-              <a:buNone/>
-              <a:tabLst/>
-              <a:defRPr/>
-            </a:pPr>
-            <a:r>
-              <a:rPr kumimoji="0" lang="en-GB" sz="2000" b="0" i="0" u="none" strike="noStrike" kern="1200" cap="none" spc="0" normalizeH="0" baseline="0" noProof="0" dirty="0" smtClean="0">
-                <a:ln>
-                  <a:noFill/>
-                </a:ln>
-                <a:solidFill>
-                  <a:schemeClr val="tx1">
-                    <a:lumMod val="75000"/>
-                    <a:lumOff val="25000"/>
-                  </a:schemeClr>
-                </a:solidFill>
-                <a:effectLst/>
-                <a:uLnTx/>
-                <a:uFillTx/>
-                <a:latin typeface="+mn-lt"/>
-                <a:ea typeface="+mn-ea"/>
-                <a:cs typeface="+mn-cs"/>
-              </a:rPr>
-              <a:t>Tom- 28</a:t>
-            </a:r>
-            <a:endParaRPr kumimoji="0" lang="en-GB" sz="2000" b="0" i="0" u="none" strike="noStrike" kern="1200" cap="none" spc="0" normalizeH="0" baseline="0" noProof="0" dirty="0">
-              <a:ln>
-                <a:noFill/>
-              </a:ln>
-              <a:solidFill>
-                <a:schemeClr val="tx1">
-                  <a:lumMod val="75000"/>
-                  <a:lumOff val="25000"/>
-                </a:schemeClr>
-              </a:solidFill>
-              <a:effectLst/>
-              <a:uLnTx/>
-              <a:uFillTx/>
-              <a:latin typeface="+mn-lt"/>
-              <a:ea typeface="+mn-ea"/>
-              <a:cs typeface="+mn-cs"/>
-            </a:endParaRPr>
-          </a:p>
         </p:txBody>
       </p:sp>
     </p:spTree>
-    <p:extLst>
-      <p:ext uri="{BB962C8B-B14F-4D97-AF65-F5344CB8AC3E}">
-        <p14:creationId xmlns:p14="http://schemas.microsoft.com/office/powerpoint/2010/main" val="2670981841"/>
-      </p:ext>
-    </p:extLst>
   </p:cSld>
   <p:clrMapOvr>
     <a:masterClrMapping/>
@@ -7362,36 +7239,280 @@
           <a:p>
             <a:r>
               <a:rPr lang="en-GB" dirty="0" smtClean="0"/>
-              <a:t>Commits  </a:t>
+              <a:t>Management (Alex, Ryan)</a:t>
             </a:r>
             <a:endParaRPr lang="en-GB" dirty="0"/>
           </a:p>
         </p:txBody>
       </p:sp>
-      <p:pic>
-        <p:nvPicPr>
-          <p:cNvPr id="3" name="Picture 2"/>
-          <p:cNvPicPr>
-            <a:picLocks noChangeAspect="1"/>
-          </p:cNvPicPr>
+      <p:sp>
+        <p:nvSpPr>
+          <p:cNvPr id="4" name="Content Placeholder 2"/>
+          <p:cNvSpPr txBox="1">
+            <a:spLocks/>
+          </p:cNvSpPr>
           <p:nvPr/>
-        </p:nvPicPr>
-        <p:blipFill rotWithShape="1">
-          <a:blip r:embed="rId2"/>
-          <a:srcRect l="23214" t="7407" r="22418" b="27012"/>
-          <a:stretch/>
-        </p:blipFill>
+        </p:nvSpPr>
         <p:spPr>
           <a:xfrm>
-            <a:off x="365984" y="1127555"/>
-            <a:ext cx="7833136" cy="5314904"/>
+            <a:off x="7115805" y="920606"/>
+            <a:ext cx="2394640" cy="2616894"/>
           </a:xfrm>
           <a:prstGeom prst="rect">
             <a:avLst/>
           </a:prstGeom>
         </p:spPr>
-      </p:pic>
+        <p:txBody>
+          <a:bodyPr vert="horz" lIns="91440" tIns="45720" rIns="91440" bIns="45720" rtlCol="0">
+            <a:normAutofit/>
+          </a:bodyPr>
+          <a:lstStyle/>
+          <a:p>
+            <a:pPr marL="342900" marR="0" lvl="0" indent="-342900" algn="l" defTabSz="457200" rtl="0" eaLnBrk="1" fontAlgn="auto" latinLnBrk="0" hangingPunct="1">
+              <a:lnSpc>
+                <a:spcPct val="100000"/>
+              </a:lnSpc>
+              <a:spcBef>
+                <a:spcPts val="1000"/>
+              </a:spcBef>
+              <a:spcAft>
+                <a:spcPts val="0"/>
+              </a:spcAft>
+              <a:buClr>
+                <a:schemeClr val="accent1"/>
+              </a:buClr>
+              <a:buSzPct val="80000"/>
+              <a:buFont typeface="Wingdings 3" charset="2"/>
+              <a:buChar char=""/>
+              <a:tabLst/>
+              <a:defRPr/>
+            </a:pPr>
+            <a:r>
+              <a:rPr kumimoji="0" lang="en-GB" sz="2000" b="0" i="0" u="none" strike="noStrike" kern="1200" cap="none" spc="0" normalizeH="0" baseline="0" noProof="0" dirty="0" smtClean="0">
+                <a:ln>
+                  <a:noFill/>
+                </a:ln>
+                <a:solidFill>
+                  <a:schemeClr val="tx1">
+                    <a:lumMod val="75000"/>
+                    <a:lumOff val="25000"/>
+                  </a:schemeClr>
+                </a:solidFill>
+                <a:effectLst/>
+                <a:uLnTx/>
+                <a:uFillTx/>
+                <a:latin typeface="+mn-lt"/>
+                <a:ea typeface="+mn-ea"/>
+                <a:cs typeface="+mn-cs"/>
+              </a:rPr>
+              <a:t>Emails sent:</a:t>
+            </a:r>
+          </a:p>
+          <a:p>
+            <a:pPr marL="342900" marR="0" lvl="0" indent="-342900" algn="l" defTabSz="457200" rtl="0" eaLnBrk="1" fontAlgn="auto" latinLnBrk="0" hangingPunct="1">
+              <a:lnSpc>
+                <a:spcPct val="100000"/>
+              </a:lnSpc>
+              <a:spcBef>
+                <a:spcPts val="1000"/>
+              </a:spcBef>
+              <a:spcAft>
+                <a:spcPts val="0"/>
+              </a:spcAft>
+              <a:buClr>
+                <a:schemeClr val="accent1"/>
+              </a:buClr>
+              <a:buSzPct val="80000"/>
+              <a:buFont typeface="Wingdings 3" charset="2"/>
+              <a:buNone/>
+              <a:tabLst/>
+              <a:defRPr/>
+            </a:pPr>
+            <a:r>
+              <a:rPr kumimoji="0" lang="en-GB" sz="2000" b="0" i="0" u="none" strike="noStrike" kern="1200" cap="none" spc="0" normalizeH="0" baseline="0" noProof="0" dirty="0" smtClean="0">
+                <a:ln>
+                  <a:noFill/>
+                </a:ln>
+                <a:solidFill>
+                  <a:schemeClr val="tx1">
+                    <a:lumMod val="75000"/>
+                    <a:lumOff val="25000"/>
+                  </a:schemeClr>
+                </a:solidFill>
+                <a:effectLst/>
+                <a:uLnTx/>
+                <a:uFillTx/>
+                <a:latin typeface="+mn-lt"/>
+                <a:ea typeface="+mn-ea"/>
+                <a:cs typeface="+mn-cs"/>
+              </a:rPr>
+              <a:t>Alex- 27</a:t>
+            </a:r>
+          </a:p>
+          <a:p>
+            <a:pPr marL="342900" marR="0" lvl="0" indent="-342900" algn="l" defTabSz="457200" rtl="0" eaLnBrk="1" fontAlgn="auto" latinLnBrk="0" hangingPunct="1">
+              <a:lnSpc>
+                <a:spcPct val="100000"/>
+              </a:lnSpc>
+              <a:spcBef>
+                <a:spcPts val="1000"/>
+              </a:spcBef>
+              <a:spcAft>
+                <a:spcPts val="0"/>
+              </a:spcAft>
+              <a:buClr>
+                <a:schemeClr val="accent1"/>
+              </a:buClr>
+              <a:buSzPct val="80000"/>
+              <a:buFont typeface="Wingdings 3" charset="2"/>
+              <a:buNone/>
+              <a:tabLst/>
+              <a:defRPr/>
+            </a:pPr>
+            <a:r>
+              <a:rPr kumimoji="0" lang="en-GB" sz="2000" b="0" i="0" u="none" strike="noStrike" kern="1200" cap="none" spc="0" normalizeH="0" baseline="0" noProof="0" dirty="0" smtClean="0">
+                <a:ln>
+                  <a:noFill/>
+                </a:ln>
+                <a:solidFill>
+                  <a:schemeClr val="tx1">
+                    <a:lumMod val="75000"/>
+                    <a:lumOff val="25000"/>
+                  </a:schemeClr>
+                </a:solidFill>
+                <a:effectLst/>
+                <a:uLnTx/>
+                <a:uFillTx/>
+                <a:latin typeface="+mn-lt"/>
+                <a:ea typeface="+mn-ea"/>
+                <a:cs typeface="+mn-cs"/>
+              </a:rPr>
+              <a:t>Ryan- 23</a:t>
+            </a:r>
+          </a:p>
+          <a:p>
+            <a:pPr marL="342900" marR="0" lvl="0" indent="-342900" algn="l" defTabSz="457200" rtl="0" eaLnBrk="1" fontAlgn="auto" latinLnBrk="0" hangingPunct="1">
+              <a:lnSpc>
+                <a:spcPct val="100000"/>
+              </a:lnSpc>
+              <a:spcBef>
+                <a:spcPts val="1000"/>
+              </a:spcBef>
+              <a:spcAft>
+                <a:spcPts val="0"/>
+              </a:spcAft>
+              <a:buClr>
+                <a:schemeClr val="accent1"/>
+              </a:buClr>
+              <a:buSzPct val="80000"/>
+              <a:buFont typeface="Wingdings 3" charset="2"/>
+              <a:buNone/>
+              <a:tabLst/>
+              <a:defRPr/>
+            </a:pPr>
+            <a:r>
+              <a:rPr kumimoji="0" lang="en-GB" sz="2000" b="0" i="0" u="none" strike="noStrike" kern="1200" cap="none" spc="0" normalizeH="0" baseline="0" noProof="0" dirty="0" smtClean="0">
+                <a:ln>
+                  <a:noFill/>
+                </a:ln>
+                <a:solidFill>
+                  <a:schemeClr val="tx1">
+                    <a:lumMod val="75000"/>
+                    <a:lumOff val="25000"/>
+                  </a:schemeClr>
+                </a:solidFill>
+                <a:effectLst/>
+                <a:uLnTx/>
+                <a:uFillTx/>
+                <a:latin typeface="+mn-lt"/>
+                <a:ea typeface="+mn-ea"/>
+                <a:cs typeface="+mn-cs"/>
+              </a:rPr>
+              <a:t>Daniel- 23</a:t>
+            </a:r>
+          </a:p>
+          <a:p>
+            <a:pPr marL="342900" marR="0" lvl="0" indent="-342900" algn="l" defTabSz="457200" rtl="0" eaLnBrk="1" fontAlgn="auto" latinLnBrk="0" hangingPunct="1">
+              <a:lnSpc>
+                <a:spcPct val="100000"/>
+              </a:lnSpc>
+              <a:spcBef>
+                <a:spcPts val="1000"/>
+              </a:spcBef>
+              <a:spcAft>
+                <a:spcPts val="0"/>
+              </a:spcAft>
+              <a:buClr>
+                <a:schemeClr val="accent1"/>
+              </a:buClr>
+              <a:buSzPct val="80000"/>
+              <a:buFont typeface="Wingdings 3" charset="2"/>
+              <a:buNone/>
+              <a:tabLst/>
+              <a:defRPr/>
+            </a:pPr>
+            <a:r>
+              <a:rPr kumimoji="0" lang="en-GB" sz="2000" b="0" i="0" u="none" strike="noStrike" kern="1200" cap="none" spc="0" normalizeH="0" baseline="0" noProof="0" dirty="0" smtClean="0">
+                <a:ln>
+                  <a:noFill/>
+                </a:ln>
+                <a:solidFill>
+                  <a:schemeClr val="tx1">
+                    <a:lumMod val="75000"/>
+                    <a:lumOff val="25000"/>
+                  </a:schemeClr>
+                </a:solidFill>
+                <a:effectLst/>
+                <a:uLnTx/>
+                <a:uFillTx/>
+                <a:latin typeface="+mn-lt"/>
+                <a:ea typeface="+mn-ea"/>
+                <a:cs typeface="+mn-cs"/>
+              </a:rPr>
+              <a:t>Tom- 28</a:t>
+            </a:r>
+            <a:endParaRPr kumimoji="0" lang="en-GB" sz="2000" b="0" i="0" u="none" strike="noStrike" kern="1200" cap="none" spc="0" normalizeH="0" baseline="0" noProof="0" dirty="0">
+              <a:ln>
+                <a:noFill/>
+              </a:ln>
+              <a:solidFill>
+                <a:schemeClr val="tx1">
+                  <a:lumMod val="75000"/>
+                  <a:lumOff val="25000"/>
+                </a:schemeClr>
+              </a:solidFill>
+              <a:effectLst/>
+              <a:uLnTx/>
+              <a:uFillTx/>
+              <a:latin typeface="+mn-lt"/>
+              <a:ea typeface="+mn-ea"/>
+              <a:cs typeface="+mn-cs"/>
+            </a:endParaRPr>
+          </a:p>
+        </p:txBody>
+      </p:sp>
+      <p:graphicFrame>
+        <p:nvGraphicFramePr>
+          <p:cNvPr id="5" name="Chart 4"/>
+          <p:cNvGraphicFramePr/>
+          <p:nvPr/>
+        </p:nvGraphicFramePr>
+        <p:xfrm>
+          <a:off x="375854" y="1681898"/>
+          <a:ext cx="8128000" cy="5418667"/>
+        </p:xfrm>
+        <a:graphic>
+          <a:graphicData uri="http://schemas.openxmlformats.org/drawingml/2006/chart">
+            <c:chart xmlns:c="http://schemas.openxmlformats.org/drawingml/2006/chart" xmlns:r="http://schemas.openxmlformats.org/officeDocument/2006/relationships" r:id="rId2"/>
+          </a:graphicData>
+        </a:graphic>
+      </p:graphicFrame>
     </p:spTree>
+    <p:extLst>
+      <p:ext uri="{BB962C8B-B14F-4D97-AF65-F5344CB8AC3E}">
+        <p14:creationId xmlns:p14="http://schemas.microsoft.com/office/powerpoint/2010/main" xmlns="" val="2670981841"/>
+      </p:ext>
+    </p:extLst>
   </p:cSld>
   <p:clrMapOvr>
     <a:masterClrMapping/>
@@ -7426,30 +7547,122 @@
             <p:ph type="title"/>
           </p:nvPr>
         </p:nvSpPr>
-        <p:spPr>
+        <p:spPr/>
+        <p:txBody>
+          <a:bodyPr/>
+          <a:lstStyle/>
+          <a:p>
+            <a:r>
+              <a:rPr lang="en-GB" dirty="0" smtClean="0"/>
+              <a:t>Commits  </a:t>
+            </a:r>
+            <a:endParaRPr lang="en-GB" dirty="0"/>
+          </a:p>
+        </p:txBody>
+      </p:sp>
+      <p:pic>
+        <p:nvPicPr>
+          <p:cNvPr id="1026" name="Picture 2" descr="C:\Users\Games\Pictures\Capture.PNG"/>
+          <p:cNvPicPr>
+            <a:picLocks noChangeAspect="1" noChangeArrowheads="1"/>
+          </p:cNvPicPr>
+          <p:nvPr/>
+        </p:nvPicPr>
+        <p:blipFill>
+          <a:blip r:embed="rId2" cstate="print"/>
+          <a:srcRect/>
+          <a:stretch>
+            <a:fillRect/>
+          </a:stretch>
+        </p:blipFill>
+        <p:spPr bwMode="auto">
           <a:xfrm>
-            <a:off x="1082581" y="2802082"/>
-            <a:ext cx="8596668" cy="1320800"/>
+            <a:off x="580990" y="1278096"/>
+            <a:ext cx="7987658" cy="5224876"/>
           </a:xfrm>
+          <a:prstGeom prst="rect">
+            <a:avLst/>
+          </a:prstGeom>
+          <a:noFill/>
         </p:spPr>
+      </p:pic>
+    </p:spTree>
+  </p:cSld>
+  <p:clrMapOvr>
+    <a:masterClrMapping/>
+  </p:clrMapOvr>
+</p:sld>
+</file>
+
+<file path=ppt/slides/slide9.xml><?xml version="1.0" encoding="utf-8"?>
+<p:sld xmlns:a="http://schemas.openxmlformats.org/drawingml/2006/main" xmlns:r="http://schemas.openxmlformats.org/officeDocument/2006/relationships" xmlns:p="http://schemas.openxmlformats.org/presentationml/2006/main">
+  <p:cSld>
+    <p:spTree>
+      <p:nvGrpSpPr>
+        <p:cNvPr id="1" name=""/>
+        <p:cNvGrpSpPr/>
+        <p:nvPr/>
+      </p:nvGrpSpPr>
+      <p:grpSpPr>
+        <a:xfrm>
+          <a:off x="0" y="0"/>
+          <a:ext cx="0" cy="0"/>
+          <a:chOff x="0" y="0"/>
+          <a:chExt cx="0" cy="0"/>
+        </a:xfrm>
+      </p:grpSpPr>
+      <p:sp>
+        <p:nvSpPr>
+          <p:cNvPr id="2" name="Title 1"/>
+          <p:cNvSpPr>
+            <a:spLocks noGrp="1"/>
+          </p:cNvSpPr>
+          <p:nvPr>
+            <p:ph type="title"/>
+          </p:nvPr>
+        </p:nvSpPr>
+        <p:spPr/>
         <p:txBody>
           <a:bodyPr/>
           <a:lstStyle/>
           <a:p>
-            <a:pPr algn="ctr"/>
-            <a:r>
-              <a:rPr lang="en-GB" dirty="0"/>
-              <a:t>Questions</a:t>
-            </a:r>
+            <a:r>
+              <a:rPr lang="en-GB" dirty="0" smtClean="0"/>
+              <a:t>What we could have done better</a:t>
+            </a:r>
+            <a:endParaRPr lang="en-GB" dirty="0"/>
+          </a:p>
+        </p:txBody>
+      </p:sp>
+      <p:sp>
+        <p:nvSpPr>
+          <p:cNvPr id="3" name="Content Placeholder 2"/>
+          <p:cNvSpPr>
+            <a:spLocks noGrp="1"/>
+          </p:cNvSpPr>
+          <p:nvPr>
+            <p:ph idx="1"/>
+          </p:nvPr>
+        </p:nvSpPr>
+        <p:spPr/>
+        <p:txBody>
+          <a:bodyPr/>
+          <a:lstStyle/>
+          <a:p>
+            <a:r>
+              <a:rPr lang="en-GB" dirty="0" smtClean="0"/>
+              <a:t>Added challenge to our game</a:t>
+            </a:r>
+          </a:p>
+          <a:p>
+            <a:endParaRPr lang="en-GB" dirty="0" smtClean="0"/>
+          </a:p>
+          <a:p>
+            <a:endParaRPr lang="en-GB" dirty="0"/>
           </a:p>
         </p:txBody>
       </p:sp>
     </p:spTree>
-    <p:extLst>
-      <p:ext uri="{BB962C8B-B14F-4D97-AF65-F5344CB8AC3E}">
-        <p14:creationId xmlns:p14="http://schemas.microsoft.com/office/powerpoint/2010/main" val="3333049873"/>
-      </p:ext>
-    </p:extLst>
   </p:cSld>
   <p:clrMapOvr>
     <a:masterClrMapping/>
@@ -7708,7 +7921,7 @@
   <a:extraClrSchemeLst/>
   <a:extLst>
     <a:ext uri="{05A4C25C-085E-4340-85A3-A5531E510DB2}">
-      <thm15:themeFamily xmlns:thm15="http://schemas.microsoft.com/office/thememl/2012/main" name="Facet" id="{C0C680CD-088A-49FC-A102-D699147F32B2}" vid="{CFBC31BA-B70F-4F30-BCAA-4F3011E16C4D}"/>
+      <thm15:themeFamily xmlns:thm15="http://schemas.microsoft.com/office/thememl/2012/main" xmlns="" name="Facet" id="{C0C680CD-088A-49FC-A102-D699147F32B2}" vid="{CFBC31BA-B70F-4F30-BCAA-4F3011E16C4D}"/>
     </a:ext>
   </a:extLst>
 </a:theme>
@@ -8003,7 +8216,7 @@
   <a:extraClrSchemeLst/>
   <a:extLst>
     <a:ext uri="{05A4C25C-085E-4340-85A3-A5531E510DB2}">
-      <thm15:themeFamily xmlns:thm15="http://schemas.microsoft.com/office/thememl/2012/main" name="Office Theme" id="{62F939B6-93AF-4DB8-9C6B-D6C7DFDC589F}" vid="{4A3C46E8-61CC-4603-A589-7422A47A8E4A}"/>
+      <thm15:themeFamily xmlns:thm15="http://schemas.microsoft.com/office/thememl/2012/main" xmlns="" name="Office Theme" id="{62F939B6-93AF-4DB8-9C6B-D6C7DFDC589F}" vid="{4A3C46E8-61CC-4603-A589-7422A47A8E4A}"/>
     </a:ext>
   </a:extLst>
 </a:theme>
